--- a/非受控文档/06-公用/PRD2018-G11-UML视图及系统开发阶段部分.pptx
+++ b/非受控文档/06-公用/PRD2018-G11-UML视图及系统开发阶段部分.pptx
@@ -5,10 +5,10 @@
     <p:sldMasterId id="2147483648" r:id="rId1"/>
   </p:sldMasterIdLst>
   <p:notesMasterIdLst>
-    <p:notesMasterId r:id="rId12"/>
+    <p:notesMasterId r:id="rId13"/>
   </p:notesMasterIdLst>
   <p:handoutMasterIdLst>
-    <p:handoutMasterId r:id="rId13"/>
+    <p:handoutMasterId r:id="rId14"/>
   </p:handoutMasterIdLst>
   <p:sldIdLst>
     <p:sldId id="370" r:id="rId2"/>
@@ -19,8 +19,9 @@
     <p:sldId id="443" r:id="rId7"/>
     <p:sldId id="444" r:id="rId8"/>
     <p:sldId id="445" r:id="rId9"/>
-    <p:sldId id="450" r:id="rId10"/>
-    <p:sldId id="449" r:id="rId11"/>
+    <p:sldId id="451" r:id="rId10"/>
+    <p:sldId id="450" r:id="rId11"/>
+    <p:sldId id="449" r:id="rId12"/>
   </p:sldIdLst>
   <p:sldSz cx="12190413" cy="6859588"/>
   <p:notesSz cx="6858000" cy="9144000"/>
@@ -119,6 +120,51 @@
       </a:defRPr>
     </a:lvl9pPr>
   </p:defaultTextStyle>
+  <p:extLst>
+    <p:ext uri="{EFAFB233-063F-42B5-8137-9DF3F51BA10A}">
+      <p15:sldGuideLst xmlns:p15="http://schemas.microsoft.com/office/powerpoint/2012/main">
+        <p15:guide id="1" orient="horz" pos="2160">
+          <p15:clr>
+            <a:srgbClr val="A4A3A4"/>
+          </p15:clr>
+        </p15:guide>
+        <p15:guide id="2" orient="horz" pos="3901">
+          <p15:clr>
+            <a:srgbClr val="A4A3A4"/>
+          </p15:clr>
+        </p15:guide>
+        <p15:guide id="3" pos="3839">
+          <p15:clr>
+            <a:srgbClr val="A4A3A4"/>
+          </p15:clr>
+        </p15:guide>
+        <p15:guide id="4" pos="7208">
+          <p15:clr>
+            <a:srgbClr val="A4A3A4"/>
+          </p15:clr>
+        </p15:guide>
+        <p15:guide id="5" pos="573">
+          <p15:clr>
+            <a:srgbClr val="A4A3A4"/>
+          </p15:clr>
+        </p15:guide>
+      </p15:sldGuideLst>
+    </p:ext>
+    <p:ext uri="{2D200454-40CA-4A62-9FC3-DE9A4176ACB9}">
+      <p15:notesGuideLst xmlns:p15="http://schemas.microsoft.com/office/powerpoint/2012/main">
+        <p15:guide id="1" orient="horz" pos="2880">
+          <p15:clr>
+            <a:srgbClr val="A4A3A4"/>
+          </p15:clr>
+        </p15:guide>
+        <p15:guide id="2" pos="2160">
+          <p15:clr>
+            <a:srgbClr val="A4A3A4"/>
+          </p15:clr>
+        </p15:guide>
+      </p15:notesGuideLst>
+    </p:ext>
+  </p:extLst>
 </p:presentation>
 </file>
 
@@ -205,7 +251,7 @@
             <a:fld id="{5D1C15E6-6BD2-4E4B-B1D4-218C26E1B228}" type="datetimeFigureOut">
               <a:rPr lang="zh-CN" altLang="en-US" smtClean="0"/>
               <a:pPr/>
-              <a:t>2018/10/14</a:t>
+              <a:t>2018/10/19</a:t>
             </a:fld>
             <a:endParaRPr lang="zh-CN" altLang="en-US"/>
           </a:p>
@@ -281,7 +327,7 @@
     </p:spTree>
     <p:extLst>
       <p:ext uri="{BB962C8B-B14F-4D97-AF65-F5344CB8AC3E}">
-        <p14:creationId xmlns:p14="http://schemas.microsoft.com/office/powerpoint/2010/main" xmlns="" val="3809856610"/>
+        <p14:creationId xmlns:p14="http://schemas.microsoft.com/office/powerpoint/2010/main" val="3809856610"/>
       </p:ext>
     </p:extLst>
   </p:cSld>
@@ -372,7 +418,7 @@
             <a:fld id="{0B17430C-5A66-4BD0-A971-34190B6C6019}" type="datetimeFigureOut">
               <a:rPr lang="zh-CN" altLang="en-US" smtClean="0"/>
               <a:pPr/>
-              <a:t>2018/10/14</a:t>
+              <a:t>2018/10/19</a:t>
             </a:fld>
             <a:endParaRPr lang="zh-CN" altLang="en-US"/>
           </a:p>
@@ -541,7 +587,7 @@
     </p:spTree>
     <p:extLst>
       <p:ext uri="{BB962C8B-B14F-4D97-AF65-F5344CB8AC3E}">
-        <p14:creationId xmlns:p14="http://schemas.microsoft.com/office/powerpoint/2010/main" xmlns="" val="625896001"/>
+        <p14:creationId xmlns:p14="http://schemas.microsoft.com/office/powerpoint/2010/main" val="625896001"/>
       </p:ext>
     </p:extLst>
   </p:cSld>
@@ -1018,14 +1064,14 @@
           </a:ln>
           <a:extLst>
             <a:ext uri="{909E8E84-426E-40DD-AFC4-6F175D3DCCD1}">
-              <a14:hiddenFill xmlns:a14="http://schemas.microsoft.com/office/drawing/2010/main" xmlns="">
+              <a14:hiddenFill xmlns:a14="http://schemas.microsoft.com/office/drawing/2010/main">
                 <a:solidFill>
                   <a:srgbClr val="FFFFFF"/>
                 </a:solidFill>
               </a14:hiddenFill>
             </a:ext>
             <a:ext uri="{91240B29-F687-4F45-9708-019B960494DF}">
-              <a14:hiddenLine xmlns:a14="http://schemas.microsoft.com/office/drawing/2010/main" xmlns="" w="9525">
+              <a14:hiddenLine xmlns:a14="http://schemas.microsoft.com/office/drawing/2010/main" w="9525">
                 <a:solidFill>
                   <a:srgbClr val="000000"/>
                 </a:solidFill>
@@ -1851,7 +1897,7 @@
             <a:fld id="{530820CF-B880-4189-942D-D702A7CBA730}" type="datetimeFigureOut">
               <a:rPr lang="zh-CN" altLang="en-US" smtClean="0"/>
               <a:pPr/>
-              <a:t>2018/10/14</a:t>
+              <a:t>2018/10/19</a:t>
             </a:fld>
             <a:endParaRPr lang="zh-CN" altLang="en-US"/>
           </a:p>
@@ -1970,7 +2016,7 @@
             <a:fld id="{530820CF-B880-4189-942D-D702A7CBA730}" type="datetimeFigureOut">
               <a:rPr lang="zh-CN" altLang="en-US" smtClean="0"/>
               <a:pPr/>
-              <a:t>2018/10/14</a:t>
+              <a:t>2018/10/19</a:t>
             </a:fld>
             <a:endParaRPr lang="zh-CN" altLang="en-US"/>
           </a:p>
@@ -3147,13 +3193,13 @@
   <p:clrMapOvr>
     <a:masterClrMapping/>
   </p:clrMapOvr>
-  <mc:AlternateContent xmlns:mc="http://schemas.openxmlformats.org/markup-compatibility/2006">
-    <mc:Choice xmlns:p14="http://schemas.microsoft.com/office/powerpoint/2010/main" xmlns="" Requires="p14">
+  <mc:AlternateContent xmlns:mc="http://schemas.openxmlformats.org/markup-compatibility/2006" xmlns:p14="http://schemas.microsoft.com/office/powerpoint/2010/main">
+    <mc:Choice Requires="p14">
       <p:transition spd="slow" p14:dur="1600" advClick="0" advTm="0">
         <p:blinds dir="vert"/>
       </p:transition>
     </mc:Choice>
-    <mc:Fallback>
+    <mc:Fallback xmlns="">
       <p:transition spd="slow" advClick="0" advTm="0">
         <p:blinds dir="vert"/>
       </p:transition>
@@ -4061,6 +4107,10 @@
           <a:lstStyle/>
           <a:p>
             <a:pPr algn="ctr"/>
+            <a:r>
+              <a:rPr lang="en-US" sz="2400" dirty="0" smtClean="0"/>
+              <a:t>2</a:t>
+            </a:r>
             <a:endParaRPr lang="en-US" sz="2400" dirty="0"/>
           </a:p>
         </p:txBody>
@@ -4120,6 +4170,16 @@
           <a:lstStyle/>
           <a:p>
             <a:r>
+              <a:rPr lang="en-US" altLang="zh-CN" sz="2665" dirty="0" smtClean="0">
+                <a:solidFill>
+                  <a:srgbClr val="183A5D"/>
+                </a:solidFill>
+                <a:latin typeface="微软雅黑" panose="020B0503020204020204" pitchFamily="34" charset="-122"/>
+                <a:ea typeface="微软雅黑" panose="020B0503020204020204" pitchFamily="34" charset="-122"/>
+              </a:rPr>
+              <a:t>UML</a:t>
+            </a:r>
+            <a:r>
               <a:rPr lang="zh-CN" altLang="en-US" sz="2665" dirty="0" smtClean="0">
                 <a:solidFill>
                   <a:srgbClr val="183A5D"/>
@@ -4127,7 +4187,7 @@
                 <a:latin typeface="微软雅黑" panose="020B0503020204020204" pitchFamily="34" charset="-122"/>
                 <a:ea typeface="微软雅黑" panose="020B0503020204020204" pitchFamily="34" charset="-122"/>
               </a:rPr>
-              <a:t>提问</a:t>
+              <a:t>在软件开发各个阶段的应用</a:t>
             </a:r>
             <a:endParaRPr lang="en-US" altLang="zh-CN" sz="2665" dirty="0">
               <a:solidFill>
@@ -4147,8 +4207,8 @@
         </p:nvSpPr>
         <p:spPr>
           <a:xfrm>
-            <a:off x="1558702" y="1269554"/>
-            <a:ext cx="7272808" cy="738664"/>
+            <a:off x="1126654" y="981522"/>
+            <a:ext cx="9577064" cy="5632311"/>
           </a:xfrm>
           <a:prstGeom prst="rect">
             <a:avLst/>
@@ -4161,13 +4221,566 @@
           </a:bodyPr>
           <a:lstStyle/>
           <a:p>
+            <a:pPr indent="457200"/>
+            <a:r>
+              <a:rPr lang="zh-CN" altLang="en-US" sz="2000" dirty="0" smtClean="0">
+                <a:latin typeface="+mn-ea"/>
+              </a:rPr>
+              <a:t>经典的软件工程思想将软件开发分成</a:t>
+            </a:r>
+            <a:r>
+              <a:rPr lang="en-US" altLang="zh-CN" sz="2000" dirty="0" smtClean="0">
+                <a:latin typeface="+mn-ea"/>
+              </a:rPr>
+              <a:t>5</a:t>
+            </a:r>
+            <a:r>
+              <a:rPr lang="zh-CN" altLang="en-US" sz="2000" dirty="0" smtClean="0">
+                <a:latin typeface="+mn-ea"/>
+              </a:rPr>
+              <a:t>个阶段</a:t>
+            </a:r>
+            <a:r>
+              <a:rPr lang="en-US" altLang="zh-CN" sz="2000" dirty="0" smtClean="0">
+                <a:latin typeface="+mn-ea"/>
+              </a:rPr>
+              <a:t>:</a:t>
+            </a:r>
+            <a:r>
+              <a:rPr lang="zh-CN" altLang="en-US" sz="2000" dirty="0" smtClean="0">
+                <a:latin typeface="+mn-ea"/>
+              </a:rPr>
+              <a:t>可行性分析与项目开发计划、需求分析（系统分析）、系统设计、系统实现、测试、维护六个阶段。其中</a:t>
+            </a:r>
+            <a:r>
+              <a:rPr lang="en-US" altLang="zh-CN" sz="2000" dirty="0" smtClean="0">
+                <a:latin typeface="+mn-ea"/>
+              </a:rPr>
+              <a:t>UML</a:t>
+            </a:r>
+            <a:r>
+              <a:rPr lang="zh-CN" altLang="en-US" sz="2000" dirty="0" smtClean="0">
+                <a:latin typeface="+mn-ea"/>
+              </a:rPr>
+              <a:t>在各个阶段都有不同的应用，除了学习每种图的具体画法，还要注意学习</a:t>
+            </a:r>
+            <a:r>
+              <a:rPr lang="en-US" altLang="zh-CN" sz="2000" dirty="0" smtClean="0">
+                <a:latin typeface="+mn-ea"/>
+              </a:rPr>
+              <a:t>UML</a:t>
+            </a:r>
+            <a:r>
+              <a:rPr lang="zh-CN" altLang="en-US" sz="2000" dirty="0" smtClean="0">
+                <a:latin typeface="+mn-ea"/>
+              </a:rPr>
+              <a:t>图在软件开发过程中每个阶段的应用。</a:t>
+            </a:r>
+          </a:p>
+          <a:p>
+            <a:pPr indent="457200"/>
+            <a:r>
+              <a:rPr lang="zh-CN" altLang="en-US" sz="2000" dirty="0" smtClean="0">
+                <a:latin typeface="+mn-ea"/>
+              </a:rPr>
+              <a:t>需求</a:t>
+            </a:r>
+          </a:p>
+          <a:p>
+            <a:pPr indent="457200"/>
+            <a:r>
+              <a:rPr lang="zh-CN" altLang="en-US" sz="2000" dirty="0" smtClean="0">
+                <a:latin typeface="+mn-ea"/>
+              </a:rPr>
+              <a:t>   </a:t>
+            </a:r>
+            <a:r>
+              <a:rPr lang="en-US" altLang="zh-CN" sz="2000" dirty="0" smtClean="0">
+                <a:latin typeface="+mn-ea"/>
+              </a:rPr>
+              <a:t>--</a:t>
+            </a:r>
+            <a:r>
+              <a:rPr lang="zh-CN" altLang="en-US" sz="2000" dirty="0" smtClean="0">
+                <a:latin typeface="+mn-ea"/>
+              </a:rPr>
+              <a:t>采用用例图描述需求。</a:t>
+            </a:r>
+          </a:p>
+          <a:p>
+            <a:pPr indent="457200"/>
+            <a:r>
+              <a:rPr lang="zh-CN" altLang="en-US" sz="2000" dirty="0" smtClean="0">
+                <a:latin typeface="+mn-ea"/>
+              </a:rPr>
+              <a:t>分析</a:t>
+            </a:r>
+          </a:p>
+          <a:p>
+            <a:pPr indent="457200"/>
+            <a:r>
+              <a:rPr lang="zh-CN" altLang="en-US" sz="2000" dirty="0" smtClean="0">
+                <a:latin typeface="+mn-ea"/>
+              </a:rPr>
+              <a:t>    </a:t>
+            </a:r>
+            <a:r>
+              <a:rPr lang="en-US" altLang="zh-CN" sz="2000" dirty="0" smtClean="0">
+                <a:latin typeface="+mn-ea"/>
+              </a:rPr>
+              <a:t>--</a:t>
+            </a:r>
+            <a:r>
+              <a:rPr lang="zh-CN" altLang="en-US" sz="2000" dirty="0" smtClean="0">
+                <a:latin typeface="+mn-ea"/>
+              </a:rPr>
+              <a:t>采用类图描述静态结构</a:t>
+            </a:r>
+          </a:p>
+          <a:p>
+            <a:pPr indent="457200"/>
+            <a:r>
+              <a:rPr lang="zh-CN" altLang="en-US" sz="2000" dirty="0" smtClean="0">
+                <a:latin typeface="+mn-ea"/>
+              </a:rPr>
+              <a:t>   </a:t>
+            </a:r>
+            <a:r>
+              <a:rPr lang="en-US" altLang="zh-CN" sz="2000" dirty="0" smtClean="0">
+                <a:latin typeface="+mn-ea"/>
+              </a:rPr>
+              <a:t>--</a:t>
+            </a:r>
+            <a:r>
+              <a:rPr lang="zh-CN" altLang="en-US" sz="2000" dirty="0" smtClean="0">
+                <a:latin typeface="+mn-ea"/>
+              </a:rPr>
+              <a:t>采用顺序图、合作图、活动图、状态图描 述动态行为</a:t>
+            </a:r>
+          </a:p>
+          <a:p>
+            <a:pPr indent="457200"/>
+            <a:r>
+              <a:rPr lang="zh-CN" altLang="en-US" sz="2000" dirty="0" smtClean="0">
+                <a:latin typeface="+mn-ea"/>
+              </a:rPr>
+              <a:t>设计</a:t>
+            </a:r>
+          </a:p>
+          <a:p>
+            <a:pPr indent="457200"/>
+            <a:r>
+              <a:rPr lang="zh-CN" altLang="en-US" sz="2000" dirty="0" smtClean="0">
+                <a:latin typeface="+mn-ea"/>
+              </a:rPr>
+              <a:t>   </a:t>
+            </a:r>
+            <a:r>
+              <a:rPr lang="en-US" altLang="zh-CN" sz="2000" dirty="0" smtClean="0">
+                <a:latin typeface="+mn-ea"/>
+              </a:rPr>
+              <a:t>--</a:t>
+            </a:r>
+            <a:r>
+              <a:rPr lang="zh-CN" altLang="en-US" sz="2000" dirty="0" smtClean="0">
+                <a:latin typeface="+mn-ea"/>
+              </a:rPr>
+              <a:t>采用类图、包，对类的接口进行设计</a:t>
+            </a:r>
+          </a:p>
+          <a:p>
+            <a:pPr indent="457200"/>
+            <a:r>
+              <a:rPr lang="zh-CN" altLang="en-US" sz="2000" dirty="0" smtClean="0">
+                <a:latin typeface="+mn-ea"/>
+              </a:rPr>
+              <a:t>实现</a:t>
+            </a:r>
+          </a:p>
+          <a:p>
+            <a:pPr indent="457200"/>
+            <a:r>
+              <a:rPr lang="zh-CN" altLang="en-US" sz="2000" dirty="0" smtClean="0">
+                <a:latin typeface="+mn-ea"/>
+              </a:rPr>
+              <a:t>   </a:t>
+            </a:r>
+            <a:r>
+              <a:rPr lang="en-US" altLang="zh-CN" sz="2000" dirty="0" smtClean="0">
+                <a:latin typeface="+mn-ea"/>
+              </a:rPr>
+              <a:t>--</a:t>
+            </a:r>
+            <a:r>
+              <a:rPr lang="zh-CN" altLang="en-US" sz="2000" dirty="0" smtClean="0">
+                <a:latin typeface="+mn-ea"/>
+              </a:rPr>
+              <a:t>将类用某现象对象语言实现</a:t>
+            </a:r>
+          </a:p>
+          <a:p>
+            <a:pPr indent="457200"/>
+            <a:r>
+              <a:rPr lang="zh-CN" altLang="en-US" sz="2000" dirty="0" smtClean="0">
+                <a:latin typeface="+mn-ea"/>
+              </a:rPr>
+              <a:t>继承与交付</a:t>
+            </a:r>
+          </a:p>
+          <a:p>
+            <a:pPr indent="457200"/>
+            <a:r>
+              <a:rPr lang="zh-CN" altLang="en-US" sz="2000" dirty="0" smtClean="0">
+                <a:latin typeface="+mn-ea"/>
+              </a:rPr>
+              <a:t>   </a:t>
+            </a:r>
+            <a:r>
+              <a:rPr lang="en-US" altLang="zh-CN" sz="2000" dirty="0" smtClean="0">
+                <a:latin typeface="+mn-ea"/>
+              </a:rPr>
+              <a:t>--</a:t>
+            </a:r>
+            <a:r>
+              <a:rPr lang="zh-CN" altLang="en-US" sz="2000" dirty="0" smtClean="0">
+                <a:latin typeface="+mn-ea"/>
+              </a:rPr>
+              <a:t>构件图、包、部署图</a:t>
+            </a:r>
+          </a:p>
+          <a:p>
+            <a:pPr indent="457200"/>
+            <a:r>
+              <a:rPr lang="zh-CN" altLang="en-US" sz="2000" dirty="0" smtClean="0">
+                <a:latin typeface="+mn-ea"/>
+              </a:rPr>
+              <a:t>   </a:t>
+            </a:r>
+            <a:r>
+              <a:rPr lang="en-US" altLang="zh-CN" sz="2000" dirty="0" smtClean="0">
+                <a:latin typeface="+mn-ea"/>
+              </a:rPr>
+              <a:t>--</a:t>
+            </a:r>
+            <a:r>
+              <a:rPr lang="zh-CN" altLang="en-US" sz="2000" dirty="0" smtClean="0">
+                <a:latin typeface="+mn-ea"/>
+              </a:rPr>
+              <a:t>单元测试</a:t>
+            </a:r>
+            <a:r>
+              <a:rPr lang="en-US" altLang="zh-CN" sz="2000" dirty="0" smtClean="0">
+                <a:latin typeface="+mn-ea"/>
+              </a:rPr>
+              <a:t>——</a:t>
+            </a:r>
+            <a:r>
+              <a:rPr lang="zh-CN" altLang="en-US" sz="2000" dirty="0" smtClean="0">
+                <a:latin typeface="+mn-ea"/>
+              </a:rPr>
+              <a:t>类图和类的说明书</a:t>
+            </a:r>
+          </a:p>
+          <a:p>
+            <a:r>
+              <a:rPr lang="zh-CN" altLang="en-US" sz="2000" dirty="0" smtClean="0">
+                <a:latin typeface="+mn-ea"/>
+              </a:rPr>
+              <a:t>       </a:t>
+            </a:r>
+            <a:r>
+              <a:rPr lang="en-US" altLang="zh-CN" sz="2000" dirty="0" smtClean="0">
+                <a:latin typeface="+mn-ea"/>
+              </a:rPr>
+              <a:t>--</a:t>
+            </a:r>
+            <a:r>
+              <a:rPr lang="zh-CN" altLang="en-US" sz="2000" dirty="0" smtClean="0">
+                <a:latin typeface="+mn-ea"/>
+              </a:rPr>
+              <a:t>继承测试</a:t>
+            </a:r>
+            <a:r>
+              <a:rPr lang="en-US" altLang="zh-CN" sz="2000" dirty="0" smtClean="0">
+                <a:latin typeface="+mn-ea"/>
+              </a:rPr>
+              <a:t>——</a:t>
+            </a:r>
+            <a:r>
+              <a:rPr lang="zh-CN" altLang="en-US" sz="2000" dirty="0" smtClean="0">
+                <a:latin typeface="+mn-ea"/>
+              </a:rPr>
+              <a:t>类图、包、构件图、合作图</a:t>
+            </a:r>
+          </a:p>
+          <a:p>
+            <a:r>
+              <a:rPr lang="zh-CN" altLang="en-US" sz="2000" dirty="0" smtClean="0">
+                <a:latin typeface="+mn-ea"/>
+              </a:rPr>
+              <a:t>   </a:t>
+            </a:r>
+            <a:r>
+              <a:rPr lang="en-US" altLang="zh-CN" sz="2000" dirty="0" smtClean="0">
+                <a:latin typeface="+mn-ea"/>
+              </a:rPr>
+              <a:t>    --</a:t>
+            </a:r>
+            <a:r>
+              <a:rPr lang="zh-CN" altLang="en-US" sz="2000" dirty="0" smtClean="0">
+                <a:latin typeface="+mn-ea"/>
+              </a:rPr>
+              <a:t>系统测试</a:t>
+            </a:r>
+            <a:r>
+              <a:rPr lang="en-US" altLang="zh-CN" sz="2000" dirty="0" smtClean="0">
+                <a:latin typeface="+mn-ea"/>
+              </a:rPr>
+              <a:t>——</a:t>
+            </a:r>
+            <a:r>
+              <a:rPr lang="zh-CN" altLang="en-US" sz="2000" dirty="0" smtClean="0">
+                <a:latin typeface="+mn-ea"/>
+              </a:rPr>
+              <a:t>例图 </a:t>
+            </a:r>
+            <a:endParaRPr lang="zh-CN" altLang="en-US" sz="2000" dirty="0">
+              <a:latin typeface="+mn-ea"/>
+            </a:endParaRPr>
+          </a:p>
+        </p:txBody>
+      </p:sp>
+    </p:spTree>
+    <p:extLst>
+      <p:ext uri="{BB962C8B-B14F-4D97-AF65-F5344CB8AC3E}">
+        <p14:creationId xmlns:p14="http://schemas.microsoft.com/office/powerpoint/2010/main" val="3098037299"/>
+      </p:ext>
+    </p:extLst>
+  </p:cSld>
+  <p:clrMapOvr>
+    <a:masterClrMapping/>
+  </p:clrMapOvr>
+  <p:transition spd="slow" advClick="0" advTm="0">
+    <p:wipe/>
+  </p:transition>
+  <p:timing>
+    <p:tnLst>
+      <p:par>
+        <p:cTn id="1" dur="indefinite" restart="never" nodeType="tmRoot"/>
+      </p:par>
+    </p:tnLst>
+  </p:timing>
+</p:sld>
+</file>
+
+<file path=ppt/slides/slide11.xml><?xml version="1.0" encoding="utf-8"?>
+<p:sld xmlns:a="http://schemas.openxmlformats.org/drawingml/2006/main" xmlns:r="http://schemas.openxmlformats.org/officeDocument/2006/relationships" xmlns:p="http://schemas.openxmlformats.org/presentationml/2006/main">
+  <p:cSld>
+    <p:spTree>
+      <p:nvGrpSpPr>
+        <p:cNvPr id="1" name=""/>
+        <p:cNvGrpSpPr/>
+        <p:nvPr/>
+      </p:nvGrpSpPr>
+      <p:grpSpPr>
+        <a:xfrm>
+          <a:off x="0" y="0"/>
+          <a:ext cx="0" cy="0"/>
+          <a:chOff x="0" y="0"/>
+          <a:chExt cx="0" cy="0"/>
+        </a:xfrm>
+      </p:grpSpPr>
+      <p:sp>
+        <p:nvSpPr>
+          <p:cNvPr id="2" name="矩形 1"/>
+          <p:cNvSpPr/>
+          <p:nvPr/>
+        </p:nvSpPr>
+        <p:spPr>
+          <a:xfrm>
+            <a:off x="237030" y="1171"/>
+            <a:ext cx="1608415" cy="135446"/>
+          </a:xfrm>
+          <a:prstGeom prst="rect">
+            <a:avLst/>
+          </a:prstGeom>
+          <a:solidFill>
+            <a:srgbClr val="183A5D"/>
+          </a:solidFill>
+          <a:ln>
+            <a:noFill/>
+          </a:ln>
+        </p:spPr>
+        <p:style>
+          <a:lnRef idx="2">
+            <a:schemeClr val="accent1">
+              <a:shade val="50000"/>
+            </a:schemeClr>
+          </a:lnRef>
+          <a:fillRef idx="1">
+            <a:schemeClr val="accent1"/>
+          </a:fillRef>
+          <a:effectRef idx="0">
+            <a:schemeClr val="accent1"/>
+          </a:effectRef>
+          <a:fontRef idx="minor">
+            <a:schemeClr val="lt1"/>
+          </a:fontRef>
+        </p:style>
+        <p:txBody>
+          <a:bodyPr rtlCol="0" anchor="ctr"/>
+          <a:lstStyle/>
+          <a:p>
+            <a:pPr algn="ctr"/>
+            <a:endParaRPr lang="zh-CN" altLang="en-US" sz="2800"/>
+          </a:p>
+        </p:txBody>
+      </p:sp>
+      <p:sp>
+        <p:nvSpPr>
+          <p:cNvPr id="3" name="矩形 2"/>
+          <p:cNvSpPr/>
+          <p:nvPr/>
+        </p:nvSpPr>
+        <p:spPr>
+          <a:xfrm>
+            <a:off x="237030" y="255131"/>
+            <a:ext cx="1608415" cy="406336"/>
+          </a:xfrm>
+          <a:prstGeom prst="rect">
+            <a:avLst/>
+          </a:prstGeom>
+          <a:solidFill>
+            <a:srgbClr val="183A5D"/>
+          </a:solidFill>
+          <a:ln>
+            <a:noFill/>
+          </a:ln>
+        </p:spPr>
+        <p:style>
+          <a:lnRef idx="2">
+            <a:schemeClr val="accent1">
+              <a:shade val="50000"/>
+            </a:schemeClr>
+          </a:lnRef>
+          <a:fillRef idx="1">
+            <a:schemeClr val="accent1"/>
+          </a:fillRef>
+          <a:effectRef idx="0">
+            <a:schemeClr val="accent1"/>
+          </a:effectRef>
+          <a:fontRef idx="minor">
+            <a:schemeClr val="lt1"/>
+          </a:fontRef>
+        </p:style>
+        <p:txBody>
+          <a:bodyPr rtlCol="0" anchor="ctr"/>
+          <a:lstStyle/>
+          <a:p>
+            <a:pPr algn="ctr"/>
+            <a:endParaRPr lang="en-US" sz="2400" dirty="0"/>
+          </a:p>
+        </p:txBody>
+      </p:sp>
+      <p:sp>
+        <p:nvSpPr>
+          <p:cNvPr id="4" name="文本框 3"/>
+          <p:cNvSpPr txBox="1"/>
+          <p:nvPr/>
+        </p:nvSpPr>
+        <p:spPr>
+          <a:xfrm>
+            <a:off x="2236548" y="136356"/>
+            <a:ext cx="6052718" cy="501650"/>
+          </a:xfrm>
+          <a:prstGeom prst="rect">
+            <a:avLst/>
+          </a:prstGeom>
+          <a:noFill/>
+        </p:spPr>
+        <p:txBody>
+          <a:bodyPr wrap="square" rtlCol="0">
+            <a:spAutoFit/>
+          </a:bodyPr>
+          <a:lstStyle/>
+          <a:p>
+            <a:endParaRPr lang="zh-CN" sz="2665" dirty="0">
+              <a:solidFill>
+                <a:srgbClr val="183A5D"/>
+              </a:solidFill>
+              <a:latin typeface="微软雅黑" panose="020B0503020204020204" pitchFamily="34" charset="-122"/>
+              <a:ea typeface="微软雅黑" panose="020B0503020204020204" pitchFamily="34" charset="-122"/>
+            </a:endParaRPr>
+          </a:p>
+        </p:txBody>
+      </p:sp>
+      <p:sp>
+        <p:nvSpPr>
+          <p:cNvPr id="6" name="文本框 5"/>
+          <p:cNvSpPr txBox="1"/>
+          <p:nvPr/>
+        </p:nvSpPr>
+        <p:spPr>
+          <a:xfrm>
+            <a:off x="2226388" y="156068"/>
+            <a:ext cx="6052718" cy="501650"/>
+          </a:xfrm>
+          <a:prstGeom prst="rect">
+            <a:avLst/>
+          </a:prstGeom>
+          <a:noFill/>
+        </p:spPr>
+        <p:txBody>
+          <a:bodyPr wrap="square" rtlCol="0">
+            <a:spAutoFit/>
+          </a:bodyPr>
+          <a:lstStyle/>
+          <a:p>
+            <a:r>
+              <a:rPr lang="zh-CN" altLang="en-US" sz="2665" dirty="0" smtClean="0">
+                <a:solidFill>
+                  <a:srgbClr val="183A5D"/>
+                </a:solidFill>
+                <a:latin typeface="微软雅黑" panose="020B0503020204020204" pitchFamily="34" charset="-122"/>
+                <a:ea typeface="微软雅黑" panose="020B0503020204020204" pitchFamily="34" charset="-122"/>
+              </a:rPr>
+              <a:t>提问</a:t>
+            </a:r>
+            <a:endParaRPr lang="en-US" altLang="zh-CN" sz="2665" dirty="0">
+              <a:solidFill>
+                <a:srgbClr val="183A5D"/>
+              </a:solidFill>
+              <a:latin typeface="微软雅黑" panose="020B0503020204020204" pitchFamily="34" charset="-122"/>
+              <a:ea typeface="微软雅黑" panose="020B0503020204020204" pitchFamily="34" charset="-122"/>
+            </a:endParaRPr>
+          </a:p>
+        </p:txBody>
+      </p:sp>
+      <p:sp>
+        <p:nvSpPr>
+          <p:cNvPr id="7" name="TextBox 6"/>
+          <p:cNvSpPr txBox="1"/>
+          <p:nvPr/>
+        </p:nvSpPr>
+        <p:spPr>
+          <a:xfrm>
+            <a:off x="1558702" y="1269554"/>
+            <a:ext cx="7272808" cy="738664"/>
+          </a:xfrm>
+          <a:prstGeom prst="rect">
+            <a:avLst/>
+          </a:prstGeom>
+          <a:noFill/>
+        </p:spPr>
+        <p:txBody>
+          <a:bodyPr wrap="square" rtlCol="0">
+            <a:spAutoFit/>
+          </a:bodyPr>
+          <a:lstStyle/>
+          <a:p>
             <a:r>
               <a:rPr lang="zh-CN" altLang="en-US" b="1" dirty="0" smtClean="0"/>
-              <a:t>系统开发共有五个阶</a:t>
-            </a:r>
-            <a:r>
-              <a:rPr lang="zh-CN" altLang="en-US" b="1" dirty="0" smtClean="0"/>
-              <a:t>段，它们分别是？</a:t>
+              <a:t>系统开发共有五个阶段，它们分别是？</a:t>
             </a:r>
             <a:endParaRPr lang="en-US" altLang="zh-CN" b="1" dirty="0" smtClean="0"/>
           </a:p>
@@ -4221,11 +4834,7 @@
             </a:pPr>
             <a:r>
               <a:rPr lang="zh-CN" altLang="en-US" dirty="0" smtClean="0"/>
-              <a:t>系</a:t>
-            </a:r>
-            <a:r>
-              <a:rPr lang="zh-CN" altLang="en-US" dirty="0" smtClean="0"/>
-              <a:t>统分析</a:t>
+              <a:t>系统分析</a:t>
             </a:r>
             <a:endParaRPr lang="en-US" altLang="zh-CN" dirty="0" smtClean="0"/>
           </a:p>
@@ -4239,11 +4848,7 @@
             </a:pPr>
             <a:r>
               <a:rPr lang="zh-CN" altLang="en-US" dirty="0" smtClean="0"/>
-              <a:t>系</a:t>
-            </a:r>
-            <a:r>
-              <a:rPr lang="zh-CN" altLang="en-US" dirty="0" smtClean="0"/>
-              <a:t>统设计</a:t>
+              <a:t>系统设计</a:t>
             </a:r>
             <a:endParaRPr lang="en-US" altLang="zh-CN" dirty="0" smtClean="0"/>
           </a:p>
@@ -4257,11 +4862,7 @@
             </a:pPr>
             <a:r>
               <a:rPr lang="zh-CN" altLang="en-US" dirty="0" smtClean="0"/>
-              <a:t>程</a:t>
-            </a:r>
-            <a:r>
-              <a:rPr lang="zh-CN" altLang="en-US" dirty="0" smtClean="0"/>
-              <a:t>序实现</a:t>
+              <a:t>程序实现</a:t>
             </a:r>
             <a:endParaRPr lang="en-US" altLang="zh-CN" dirty="0" smtClean="0"/>
           </a:p>
@@ -4275,11 +4876,7 @@
             </a:pPr>
             <a:r>
               <a:rPr lang="zh-CN" altLang="en-US" dirty="0" smtClean="0"/>
-              <a:t>测</a:t>
-            </a:r>
-            <a:r>
-              <a:rPr lang="zh-CN" altLang="en-US" dirty="0" smtClean="0"/>
-              <a:t>试阶段</a:t>
+              <a:t>测试阶段</a:t>
             </a:r>
             <a:endParaRPr lang="en-US" altLang="zh-CN" dirty="0" smtClean="0"/>
           </a:p>
@@ -4291,7 +4888,7 @@
     </p:spTree>
     <p:extLst>
       <p:ext uri="{BB962C8B-B14F-4D97-AF65-F5344CB8AC3E}">
-        <p14:creationId xmlns:p14="http://schemas.microsoft.com/office/powerpoint/2010/main" xmlns="" val="3098037299"/>
+        <p14:creationId xmlns:p14="http://schemas.microsoft.com/office/powerpoint/2010/main" val="3098037299"/>
       </p:ext>
     </p:extLst>
   </p:cSld>
@@ -4890,7 +5487,7 @@
     </p:spTree>
     <p:extLst>
       <p:ext uri="{BB962C8B-B14F-4D97-AF65-F5344CB8AC3E}">
-        <p14:creationId xmlns:p14="http://schemas.microsoft.com/office/powerpoint/2010/main" xmlns="" val="3098037299"/>
+        <p14:creationId xmlns:p14="http://schemas.microsoft.com/office/powerpoint/2010/main" val="3098037299"/>
       </p:ext>
     </p:extLst>
   </p:cSld>
@@ -5164,7 +5761,7 @@
     </p:spTree>
     <p:extLst>
       <p:ext uri="{BB962C8B-B14F-4D97-AF65-F5344CB8AC3E}">
-        <p14:creationId xmlns:p14="http://schemas.microsoft.com/office/powerpoint/2010/main" xmlns="" val="3098037299"/>
+        <p14:creationId xmlns:p14="http://schemas.microsoft.com/office/powerpoint/2010/main" val="3098037299"/>
       </p:ext>
     </p:extLst>
   </p:cSld>
@@ -5442,7 +6039,7 @@
     </p:spTree>
     <p:extLst>
       <p:ext uri="{BB962C8B-B14F-4D97-AF65-F5344CB8AC3E}">
-        <p14:creationId xmlns:p14="http://schemas.microsoft.com/office/powerpoint/2010/main" xmlns="" val="3098037299"/>
+        <p14:creationId xmlns:p14="http://schemas.microsoft.com/office/powerpoint/2010/main" val="3098037299"/>
       </p:ext>
     </p:extLst>
   </p:cSld>
@@ -5719,7 +6316,7 @@
     </p:spTree>
     <p:extLst>
       <p:ext uri="{BB962C8B-B14F-4D97-AF65-F5344CB8AC3E}">
-        <p14:creationId xmlns:p14="http://schemas.microsoft.com/office/powerpoint/2010/main" xmlns="" val="3098037299"/>
+        <p14:creationId xmlns:p14="http://schemas.microsoft.com/office/powerpoint/2010/main" val="3098037299"/>
       </p:ext>
     </p:extLst>
   </p:cSld>
@@ -5937,14 +6534,14 @@
               <a:t>——</a:t>
             </a:r>
             <a:r>
-              <a:rPr lang="zh-CN" altLang="en-US" sz="2665" dirty="0">
+              <a:rPr lang="zh-CN" altLang="en-US" sz="2665" dirty="0" smtClean="0">
                 <a:solidFill>
                   <a:srgbClr val="183A5D"/>
                 </a:solidFill>
                 <a:latin typeface="微软雅黑" panose="020B0503020204020204" pitchFamily="34" charset="-122"/>
                 <a:ea typeface="微软雅黑" panose="020B0503020204020204" pitchFamily="34" charset="-122"/>
               </a:rPr>
-              <a:t>配置视图</a:t>
+              <a:t>图的关系</a:t>
             </a:r>
             <a:endParaRPr lang="en-US" altLang="zh-CN" sz="2665" dirty="0">
               <a:solidFill>
@@ -5956,44 +6553,34 @@
           </a:p>
         </p:txBody>
       </p:sp>
-      <p:sp>
-        <p:nvSpPr>
-          <p:cNvPr id="5" name="TextBox 4"/>
-          <p:cNvSpPr txBox="1"/>
+      <p:pic>
+        <p:nvPicPr>
+          <p:cNvPr id="7" name="图片 6"/>
+          <p:cNvPicPr>
+            <a:picLocks noChangeAspect="1"/>
+          </p:cNvPicPr>
           <p:nvPr/>
-        </p:nvSpPr>
-        <p:spPr>
-          <a:xfrm>
-            <a:off x="1486800" y="1918800"/>
-            <a:ext cx="9073008" cy="1491242"/>
-          </a:xfrm>
-          <a:prstGeom prst="rect">
-            <a:avLst/>
-          </a:prstGeom>
-          <a:noFill/>
-        </p:spPr>
-        <p:txBody>
-          <a:bodyPr wrap="square" rtlCol="0">
-            <a:spAutoFit/>
-          </a:bodyPr>
-          <a:lstStyle/>
-          <a:p>
-            <a:pPr indent="457200">
-              <a:lnSpc>
-                <a:spcPct val="150000"/>
-              </a:lnSpc>
-            </a:pPr>
-            <a:r>
-              <a:rPr lang="zh-CN" altLang="en-US" dirty="0"/>
-              <a:t>配置视图显示系统的物理部署，它描述位于节点上的运行实例的部署情况。配置视图主要由配置图表示，它的使用者是开发人员、系统集成人员和测试人员。配置视图还允许评估分配结果和资源分配。</a:t>
-            </a:r>
-          </a:p>
-        </p:txBody>
-      </p:sp>
+        </p:nvPicPr>
+        <p:blipFill>
+          <a:blip r:embed="rId2"/>
+          <a:stretch>
+            <a:fillRect/>
+          </a:stretch>
+        </p:blipFill>
+        <p:spPr>
+          <a:xfrm>
+            <a:off x="1702718" y="1125538"/>
+            <a:ext cx="8337002" cy="5189670"/>
+          </a:xfrm>
+          <a:prstGeom prst="rect">
+            <a:avLst/>
+          </a:prstGeom>
+        </p:spPr>
+      </p:pic>
     </p:spTree>
     <p:extLst>
       <p:ext uri="{BB962C8B-B14F-4D97-AF65-F5344CB8AC3E}">
-        <p14:creationId xmlns:p14="http://schemas.microsoft.com/office/powerpoint/2010/main" xmlns="" val="3098037299"/>
+        <p14:creationId xmlns:p14="http://schemas.microsoft.com/office/powerpoint/2010/main" val="3098037299"/>
       </p:ext>
     </p:extLst>
   </p:cSld>
@@ -6376,7 +6963,7 @@
     </p:spTree>
     <p:extLst>
       <p:ext uri="{BB962C8B-B14F-4D97-AF65-F5344CB8AC3E}">
-        <p14:creationId xmlns:p14="http://schemas.microsoft.com/office/powerpoint/2010/main" xmlns="" val="3098037299"/>
+        <p14:creationId xmlns:p14="http://schemas.microsoft.com/office/powerpoint/2010/main" val="3098037299"/>
       </p:ext>
     </p:extLst>
   </p:cSld>
@@ -6564,16 +7151,6 @@
           <a:lstStyle/>
           <a:p>
             <a:r>
-              <a:rPr lang="en-US" altLang="zh-CN" sz="2665" dirty="0" smtClean="0">
-                <a:solidFill>
-                  <a:srgbClr val="183A5D"/>
-                </a:solidFill>
-                <a:latin typeface="微软雅黑" panose="020B0503020204020204" pitchFamily="34" charset="-122"/>
-                <a:ea typeface="微软雅黑" panose="020B0503020204020204" pitchFamily="34" charset="-122"/>
-              </a:rPr>
-              <a:t>UML</a:t>
-            </a:r>
-            <a:r>
               <a:rPr lang="zh-CN" altLang="en-US" sz="2665" dirty="0" smtClean="0">
                 <a:solidFill>
                   <a:srgbClr val="183A5D"/>
@@ -6581,7 +7158,7 @@
                 <a:latin typeface="微软雅黑" panose="020B0503020204020204" pitchFamily="34" charset="-122"/>
                 <a:ea typeface="微软雅黑" panose="020B0503020204020204" pitchFamily="34" charset="-122"/>
               </a:rPr>
-              <a:t>在软件开发各个阶段的应用</a:t>
+              <a:t>系统开发阶段</a:t>
             </a:r>
             <a:endParaRPr lang="en-US" altLang="zh-CN" sz="2665" dirty="0">
               <a:solidFill>
@@ -6595,14 +7172,14 @@
       </p:sp>
       <p:sp>
         <p:nvSpPr>
-          <p:cNvPr id="7" name="TextBox 6"/>
+          <p:cNvPr id="5" name="TextBox 4"/>
           <p:cNvSpPr txBox="1"/>
           <p:nvPr/>
         </p:nvSpPr>
         <p:spPr>
           <a:xfrm>
-            <a:off x="1126654" y="981522"/>
-            <a:ext cx="9577064" cy="5632311"/>
+            <a:off x="694606" y="1125538"/>
+            <a:ext cx="10657184" cy="5030864"/>
           </a:xfrm>
           <a:prstGeom prst="rect">
             <a:avLst/>
@@ -6615,468 +7192,161 @@
           </a:bodyPr>
           <a:lstStyle/>
           <a:p>
-            <a:pPr indent="457200"/>
-            <a:r>
-              <a:rPr lang="zh-CN" altLang="en-US" sz="2000" dirty="0" smtClean="0">
-                <a:latin typeface="+mn-ea"/>
-              </a:rPr>
-              <a:t>经典的软件工程思想将软件开发分成</a:t>
-            </a:r>
-            <a:r>
-              <a:rPr lang="en-US" altLang="zh-CN" sz="2000" dirty="0" smtClean="0">
-                <a:latin typeface="+mn-ea"/>
-              </a:rPr>
-              <a:t>5</a:t>
-            </a:r>
-            <a:r>
-              <a:rPr lang="zh-CN" altLang="en-US" sz="2000" dirty="0" smtClean="0">
-                <a:latin typeface="+mn-ea"/>
-              </a:rPr>
-              <a:t>个阶段</a:t>
-            </a:r>
-            <a:r>
-              <a:rPr lang="en-US" altLang="zh-CN" sz="2000" dirty="0" smtClean="0">
-                <a:latin typeface="+mn-ea"/>
-              </a:rPr>
-              <a:t>:</a:t>
-            </a:r>
-            <a:r>
-              <a:rPr lang="zh-CN" altLang="en-US" sz="2000" dirty="0" smtClean="0">
-                <a:latin typeface="+mn-ea"/>
-              </a:rPr>
-              <a:t>可行性分析与项目开发计划、需求分析（系统分析）、系统设计、系统实现、测试、维护六个阶段。其中</a:t>
-            </a:r>
-            <a:r>
-              <a:rPr lang="en-US" altLang="zh-CN" sz="2000" dirty="0" smtClean="0">
-                <a:latin typeface="+mn-ea"/>
-              </a:rPr>
-              <a:t>UML</a:t>
-            </a:r>
-            <a:r>
-              <a:rPr lang="zh-CN" altLang="en-US" sz="2000" dirty="0" smtClean="0">
-                <a:latin typeface="+mn-ea"/>
-              </a:rPr>
-              <a:t>在各个阶段都有不同的应用，除了学习每种图的具体画法，还要注意学习</a:t>
-            </a:r>
-            <a:r>
-              <a:rPr lang="en-US" altLang="zh-CN" sz="2000" dirty="0" smtClean="0">
-                <a:latin typeface="+mn-ea"/>
-              </a:rPr>
-              <a:t>UML</a:t>
-            </a:r>
-            <a:r>
-              <a:rPr lang="zh-CN" altLang="en-US" sz="2000" dirty="0" smtClean="0">
-                <a:latin typeface="+mn-ea"/>
-              </a:rPr>
-              <a:t>图在软件开发过程中每个阶段的应用</a:t>
-            </a:r>
-            <a:r>
-              <a:rPr lang="zh-CN" altLang="en-US" sz="2000" dirty="0" smtClean="0">
-                <a:latin typeface="+mn-ea"/>
-              </a:rPr>
-              <a:t>。</a:t>
-            </a:r>
-            <a:endParaRPr lang="zh-CN" altLang="en-US" sz="2000" dirty="0" smtClean="0">
-              <a:latin typeface="+mn-ea"/>
-            </a:endParaRPr>
-          </a:p>
-          <a:p>
-            <a:pPr indent="457200"/>
-            <a:r>
-              <a:rPr lang="zh-CN" altLang="en-US" sz="2000" dirty="0" smtClean="0">
-                <a:latin typeface="+mn-ea"/>
-              </a:rPr>
-              <a:t>需</a:t>
-            </a:r>
-            <a:r>
-              <a:rPr lang="zh-CN" altLang="en-US" sz="2000" dirty="0" smtClean="0">
-                <a:latin typeface="+mn-ea"/>
-              </a:rPr>
-              <a:t>求</a:t>
-            </a:r>
-            <a:endParaRPr lang="zh-CN" altLang="en-US" sz="2000" dirty="0" smtClean="0">
-              <a:latin typeface="+mn-ea"/>
-            </a:endParaRPr>
-          </a:p>
-          <a:p>
-            <a:pPr indent="457200"/>
-            <a:r>
-              <a:rPr lang="zh-CN" altLang="en-US" sz="2000" dirty="0" smtClean="0">
-                <a:latin typeface="+mn-ea"/>
-              </a:rPr>
-              <a:t>   </a:t>
-            </a:r>
-            <a:r>
-              <a:rPr lang="en-US" altLang="zh-CN" sz="2000" dirty="0" smtClean="0">
-                <a:latin typeface="+mn-ea"/>
-              </a:rPr>
-              <a:t>--</a:t>
-            </a:r>
-            <a:r>
-              <a:rPr lang="zh-CN" altLang="en-US" sz="2000" dirty="0" smtClean="0">
-                <a:latin typeface="+mn-ea"/>
-              </a:rPr>
-              <a:t>采用用例图描述需</a:t>
-            </a:r>
-            <a:r>
-              <a:rPr lang="zh-CN" altLang="en-US" sz="2000" dirty="0" smtClean="0">
-                <a:latin typeface="+mn-ea"/>
-              </a:rPr>
-              <a:t>求。</a:t>
-            </a:r>
-          </a:p>
-          <a:p>
-            <a:pPr indent="457200"/>
-            <a:r>
-              <a:rPr lang="zh-CN" altLang="en-US" sz="2000" dirty="0" smtClean="0">
-                <a:latin typeface="+mn-ea"/>
-              </a:rPr>
-              <a:t>分析</a:t>
-            </a:r>
-            <a:endParaRPr lang="zh-CN" altLang="en-US" sz="2000" dirty="0" smtClean="0">
-              <a:latin typeface="+mn-ea"/>
-            </a:endParaRPr>
-          </a:p>
-          <a:p>
-            <a:pPr indent="457200"/>
-            <a:r>
-              <a:rPr lang="zh-CN" altLang="en-US" sz="2000" dirty="0" smtClean="0">
-                <a:latin typeface="+mn-ea"/>
-              </a:rPr>
-              <a:t>    </a:t>
-            </a:r>
-            <a:r>
-              <a:rPr lang="en-US" altLang="zh-CN" sz="2000" dirty="0" smtClean="0">
-                <a:latin typeface="+mn-ea"/>
-              </a:rPr>
-              <a:t>--</a:t>
-            </a:r>
-            <a:r>
-              <a:rPr lang="zh-CN" altLang="en-US" sz="2000" dirty="0" smtClean="0">
-                <a:latin typeface="+mn-ea"/>
-              </a:rPr>
-              <a:t>采用类图描述静态结</a:t>
-            </a:r>
-            <a:r>
-              <a:rPr lang="zh-CN" altLang="en-US" sz="2000" dirty="0" smtClean="0">
-                <a:latin typeface="+mn-ea"/>
-              </a:rPr>
-              <a:t>构</a:t>
-            </a:r>
-            <a:endParaRPr lang="zh-CN" altLang="en-US" sz="2000" dirty="0" smtClean="0">
-              <a:latin typeface="+mn-ea"/>
-            </a:endParaRPr>
-          </a:p>
-          <a:p>
-            <a:pPr indent="457200"/>
-            <a:r>
-              <a:rPr lang="zh-CN" altLang="en-US" sz="2000" dirty="0" smtClean="0">
-                <a:latin typeface="+mn-ea"/>
-              </a:rPr>
-              <a:t>   </a:t>
-            </a:r>
-            <a:r>
-              <a:rPr lang="en-US" altLang="zh-CN" sz="2000" dirty="0" smtClean="0">
-                <a:latin typeface="+mn-ea"/>
-              </a:rPr>
-              <a:t>--</a:t>
-            </a:r>
-            <a:r>
-              <a:rPr lang="zh-CN" altLang="en-US" sz="2000" dirty="0" smtClean="0">
-                <a:latin typeface="+mn-ea"/>
-              </a:rPr>
-              <a:t>采用顺序图、合作图、活动图、状态图描 述动态行</a:t>
-            </a:r>
-            <a:r>
-              <a:rPr lang="zh-CN" altLang="en-US" sz="2000" dirty="0" smtClean="0">
-                <a:latin typeface="+mn-ea"/>
-              </a:rPr>
-              <a:t>为</a:t>
-            </a:r>
-            <a:endParaRPr lang="zh-CN" altLang="en-US" sz="2000" dirty="0" smtClean="0">
-              <a:latin typeface="+mn-ea"/>
-            </a:endParaRPr>
-          </a:p>
-          <a:p>
-            <a:pPr indent="457200"/>
-            <a:r>
-              <a:rPr lang="zh-CN" altLang="en-US" sz="2000" dirty="0" smtClean="0">
-                <a:latin typeface="+mn-ea"/>
-              </a:rPr>
-              <a:t>设</a:t>
-            </a:r>
-            <a:r>
-              <a:rPr lang="zh-CN" altLang="en-US" sz="2000" dirty="0" smtClean="0">
-                <a:latin typeface="+mn-ea"/>
-              </a:rPr>
-              <a:t>计</a:t>
-            </a:r>
-            <a:endParaRPr lang="zh-CN" altLang="en-US" sz="2000" dirty="0" smtClean="0">
-              <a:latin typeface="+mn-ea"/>
-            </a:endParaRPr>
-          </a:p>
-          <a:p>
-            <a:pPr indent="457200"/>
-            <a:r>
-              <a:rPr lang="zh-CN" altLang="en-US" sz="2000" dirty="0" smtClean="0">
-                <a:latin typeface="+mn-ea"/>
-              </a:rPr>
-              <a:t>   </a:t>
-            </a:r>
-            <a:r>
-              <a:rPr lang="en-US" altLang="zh-CN" sz="2000" dirty="0" smtClean="0">
-                <a:latin typeface="+mn-ea"/>
-              </a:rPr>
-              <a:t>--</a:t>
-            </a:r>
-            <a:r>
-              <a:rPr lang="zh-CN" altLang="en-US" sz="2000" dirty="0" smtClean="0">
-                <a:latin typeface="+mn-ea"/>
-              </a:rPr>
-              <a:t>采用类图、包，对类的接口进行设</a:t>
-            </a:r>
-            <a:r>
-              <a:rPr lang="zh-CN" altLang="en-US" sz="2000" dirty="0" smtClean="0">
-                <a:latin typeface="+mn-ea"/>
-              </a:rPr>
-              <a:t>计</a:t>
-            </a:r>
-            <a:endParaRPr lang="zh-CN" altLang="en-US" sz="2000" dirty="0" smtClean="0">
-              <a:latin typeface="+mn-ea"/>
-            </a:endParaRPr>
-          </a:p>
-          <a:p>
-            <a:pPr indent="457200"/>
-            <a:r>
-              <a:rPr lang="zh-CN" altLang="en-US" sz="2000" dirty="0" smtClean="0">
-                <a:latin typeface="+mn-ea"/>
-              </a:rPr>
-              <a:t>实</a:t>
-            </a:r>
-            <a:r>
-              <a:rPr lang="zh-CN" altLang="en-US" sz="2000" dirty="0" smtClean="0">
-                <a:latin typeface="+mn-ea"/>
-              </a:rPr>
-              <a:t>现</a:t>
-            </a:r>
-            <a:endParaRPr lang="zh-CN" altLang="en-US" sz="2000" dirty="0" smtClean="0">
-              <a:latin typeface="+mn-ea"/>
-            </a:endParaRPr>
-          </a:p>
-          <a:p>
-            <a:pPr indent="457200"/>
-            <a:r>
-              <a:rPr lang="zh-CN" altLang="en-US" sz="2000" dirty="0" smtClean="0">
-                <a:latin typeface="+mn-ea"/>
-              </a:rPr>
-              <a:t>   </a:t>
-            </a:r>
-            <a:r>
-              <a:rPr lang="en-US" altLang="zh-CN" sz="2000" dirty="0" smtClean="0">
-                <a:latin typeface="+mn-ea"/>
-              </a:rPr>
-              <a:t>--</a:t>
-            </a:r>
-            <a:r>
-              <a:rPr lang="zh-CN" altLang="en-US" sz="2000" dirty="0" smtClean="0">
-                <a:latin typeface="+mn-ea"/>
-              </a:rPr>
-              <a:t>将类用某现象对象语言实</a:t>
-            </a:r>
-            <a:r>
-              <a:rPr lang="zh-CN" altLang="en-US" sz="2000" dirty="0" smtClean="0">
-                <a:latin typeface="+mn-ea"/>
-              </a:rPr>
-              <a:t>现</a:t>
-            </a:r>
-            <a:endParaRPr lang="zh-CN" altLang="en-US" sz="2000" dirty="0" smtClean="0">
-              <a:latin typeface="+mn-ea"/>
-            </a:endParaRPr>
-          </a:p>
-          <a:p>
-            <a:pPr indent="457200"/>
-            <a:r>
-              <a:rPr lang="zh-CN" altLang="en-US" sz="2000" dirty="0" smtClean="0">
-                <a:latin typeface="+mn-ea"/>
-              </a:rPr>
-              <a:t>继承与交</a:t>
-            </a:r>
-            <a:r>
-              <a:rPr lang="zh-CN" altLang="en-US" sz="2000" dirty="0" smtClean="0">
-                <a:latin typeface="+mn-ea"/>
-              </a:rPr>
-              <a:t>付</a:t>
-            </a:r>
-            <a:endParaRPr lang="zh-CN" altLang="en-US" sz="2000" dirty="0" smtClean="0">
-              <a:latin typeface="+mn-ea"/>
-            </a:endParaRPr>
-          </a:p>
-          <a:p>
-            <a:pPr indent="457200"/>
-            <a:r>
-              <a:rPr lang="zh-CN" altLang="en-US" sz="2000" dirty="0" smtClean="0">
-                <a:latin typeface="+mn-ea"/>
-              </a:rPr>
-              <a:t>   </a:t>
-            </a:r>
-            <a:r>
-              <a:rPr lang="en-US" altLang="zh-CN" sz="2000" dirty="0" smtClean="0">
-                <a:latin typeface="+mn-ea"/>
-              </a:rPr>
-              <a:t>--</a:t>
-            </a:r>
-            <a:r>
-              <a:rPr lang="zh-CN" altLang="en-US" sz="2000" dirty="0" smtClean="0">
-                <a:latin typeface="+mn-ea"/>
-              </a:rPr>
-              <a:t>构件图、包、部署</a:t>
-            </a:r>
-            <a:r>
-              <a:rPr lang="zh-CN" altLang="en-US" sz="2000" dirty="0" smtClean="0">
-                <a:latin typeface="+mn-ea"/>
-              </a:rPr>
-              <a:t>图</a:t>
-            </a:r>
-            <a:endParaRPr lang="zh-CN" altLang="en-US" sz="2000" dirty="0" smtClean="0">
-              <a:latin typeface="+mn-ea"/>
-            </a:endParaRPr>
-          </a:p>
-          <a:p>
-            <a:pPr indent="457200"/>
-            <a:r>
-              <a:rPr lang="zh-CN" altLang="en-US" sz="2000" dirty="0" smtClean="0">
-                <a:latin typeface="+mn-ea"/>
-              </a:rPr>
-              <a:t>   </a:t>
-            </a:r>
-            <a:r>
-              <a:rPr lang="en-US" altLang="zh-CN" sz="2000" dirty="0" smtClean="0">
-                <a:latin typeface="+mn-ea"/>
-              </a:rPr>
-              <a:t>--</a:t>
-            </a:r>
-            <a:r>
-              <a:rPr lang="zh-CN" altLang="en-US" sz="2000" dirty="0" smtClean="0">
-                <a:latin typeface="+mn-ea"/>
-              </a:rPr>
-              <a:t>单元测试</a:t>
-            </a:r>
-            <a:r>
-              <a:rPr lang="en-US" altLang="zh-CN" sz="2000" dirty="0" smtClean="0">
-                <a:latin typeface="+mn-ea"/>
-              </a:rPr>
-              <a:t>——</a:t>
-            </a:r>
-            <a:r>
-              <a:rPr lang="zh-CN" altLang="en-US" sz="2000" dirty="0" smtClean="0">
-                <a:latin typeface="+mn-ea"/>
-              </a:rPr>
-              <a:t>类图和类的说明</a:t>
-            </a:r>
-            <a:r>
-              <a:rPr lang="zh-CN" altLang="en-US" sz="2000" dirty="0" smtClean="0">
-                <a:latin typeface="+mn-ea"/>
-              </a:rPr>
-              <a:t>书</a:t>
-            </a:r>
-            <a:endParaRPr lang="zh-CN" altLang="en-US" sz="2000" dirty="0" smtClean="0">
-              <a:latin typeface="+mn-ea"/>
-            </a:endParaRPr>
-          </a:p>
-          <a:p>
-            <a:r>
-              <a:rPr lang="zh-CN" altLang="en-US" sz="2000" dirty="0" smtClean="0">
-                <a:latin typeface="+mn-ea"/>
-              </a:rPr>
-              <a:t>   </a:t>
-            </a:r>
-            <a:r>
-              <a:rPr lang="zh-CN" altLang="en-US" sz="2000" dirty="0" smtClean="0">
-                <a:latin typeface="+mn-ea"/>
-              </a:rPr>
-              <a:t>    </a:t>
-            </a:r>
-            <a:r>
-              <a:rPr lang="en-US" altLang="zh-CN" sz="2000" dirty="0" smtClean="0">
-                <a:latin typeface="+mn-ea"/>
-              </a:rPr>
-              <a:t>--</a:t>
-            </a:r>
-            <a:r>
-              <a:rPr lang="zh-CN" altLang="en-US" sz="2000" dirty="0" smtClean="0">
-                <a:latin typeface="+mn-ea"/>
-              </a:rPr>
-              <a:t>继承测试</a:t>
-            </a:r>
-            <a:r>
-              <a:rPr lang="en-US" altLang="zh-CN" sz="2000" dirty="0" smtClean="0">
-                <a:latin typeface="+mn-ea"/>
-              </a:rPr>
-              <a:t>——</a:t>
-            </a:r>
-            <a:r>
-              <a:rPr lang="zh-CN" altLang="en-US" sz="2000" dirty="0" smtClean="0">
-                <a:latin typeface="+mn-ea"/>
-              </a:rPr>
-              <a:t>类图、包、构件图、合作</a:t>
-            </a:r>
-            <a:r>
-              <a:rPr lang="zh-CN" altLang="en-US" sz="2000" dirty="0" smtClean="0">
-                <a:latin typeface="+mn-ea"/>
-              </a:rPr>
-              <a:t>图</a:t>
-            </a:r>
-            <a:endParaRPr lang="zh-CN" altLang="en-US" sz="2000" dirty="0" smtClean="0">
-              <a:latin typeface="+mn-ea"/>
-            </a:endParaRPr>
-          </a:p>
-          <a:p>
-            <a:r>
-              <a:rPr lang="zh-CN" altLang="en-US" sz="2000" dirty="0" smtClean="0">
-                <a:latin typeface="+mn-ea"/>
-              </a:rPr>
-              <a:t>   </a:t>
-            </a:r>
-            <a:r>
-              <a:rPr lang="en-US" altLang="zh-CN" sz="2000" dirty="0" smtClean="0">
-                <a:latin typeface="+mn-ea"/>
-              </a:rPr>
-              <a:t> </a:t>
-            </a:r>
-            <a:r>
-              <a:rPr lang="en-US" altLang="zh-CN" sz="2000" dirty="0" smtClean="0">
-                <a:latin typeface="+mn-ea"/>
-              </a:rPr>
-              <a:t>   --</a:t>
-            </a:r>
-            <a:r>
-              <a:rPr lang="zh-CN" altLang="en-US" sz="2000" dirty="0" smtClean="0">
-                <a:latin typeface="+mn-ea"/>
-              </a:rPr>
-              <a:t>系统测试</a:t>
-            </a:r>
-            <a:r>
-              <a:rPr lang="en-US" altLang="zh-CN" sz="2000" dirty="0" smtClean="0">
-                <a:latin typeface="+mn-ea"/>
-              </a:rPr>
-              <a:t>——</a:t>
-            </a:r>
-            <a:r>
-              <a:rPr lang="zh-CN" altLang="en-US" sz="2000" dirty="0" smtClean="0">
-                <a:latin typeface="+mn-ea"/>
-              </a:rPr>
-              <a:t>例图 </a:t>
-            </a:r>
-            <a:endParaRPr lang="zh-CN" altLang="en-US" sz="2000" dirty="0">
-              <a:latin typeface="+mn-ea"/>
-            </a:endParaRPr>
+            <a:pPr>
+              <a:lnSpc>
+                <a:spcPct val="150000"/>
+              </a:lnSpc>
+            </a:pPr>
+            <a:r>
+              <a:rPr lang="zh-CN" altLang="en-US" dirty="0" smtClean="0"/>
+              <a:t>系统开发共有五个阶段：</a:t>
+            </a:r>
+            <a:endParaRPr lang="en-US" altLang="zh-CN" dirty="0" smtClean="0"/>
+          </a:p>
+          <a:p>
+            <a:pPr marL="457200" indent="-457200">
+              <a:lnSpc>
+                <a:spcPct val="150000"/>
+              </a:lnSpc>
+              <a:buFont typeface="Arial" panose="020B0604020202020204" pitchFamily="34" charset="0"/>
+              <a:buChar char="•"/>
+            </a:pPr>
+            <a:r>
+              <a:rPr lang="zh-CN" altLang="en-US" dirty="0" smtClean="0"/>
+              <a:t>需求分析</a:t>
+            </a:r>
+            <a:endParaRPr lang="en-US" altLang="zh-CN" dirty="0" smtClean="0"/>
+          </a:p>
+          <a:p>
+            <a:pPr>
+              <a:lnSpc>
+                <a:spcPct val="150000"/>
+              </a:lnSpc>
+            </a:pPr>
+            <a:r>
+              <a:rPr lang="zh-CN" altLang="en-US" sz="1800" dirty="0" smtClean="0"/>
+              <a:t>需求分析的主要内容是了解客户的需求，分析系统的可行性，分析需求的一致性及正确性等。</a:t>
+            </a:r>
+            <a:endParaRPr lang="en-US" altLang="zh-CN" sz="1800" dirty="0" smtClean="0"/>
+          </a:p>
+          <a:p>
+            <a:pPr marL="457200" indent="-457200">
+              <a:lnSpc>
+                <a:spcPct val="150000"/>
+              </a:lnSpc>
+              <a:buFont typeface="Arial" panose="020B0604020202020204" pitchFamily="34" charset="0"/>
+              <a:buChar char="•"/>
+            </a:pPr>
+            <a:r>
+              <a:rPr lang="zh-CN" altLang="en-US" dirty="0" smtClean="0"/>
+              <a:t>系统分析</a:t>
+            </a:r>
+            <a:endParaRPr lang="en-US" altLang="zh-CN" dirty="0" smtClean="0"/>
+          </a:p>
+          <a:p>
+            <a:pPr>
+              <a:lnSpc>
+                <a:spcPct val="150000"/>
+              </a:lnSpc>
+            </a:pPr>
+            <a:r>
+              <a:rPr lang="zh-CN" altLang="en-US" sz="1800" dirty="0"/>
+              <a:t>以系统的整体最优为目标，对系统的各个方面进行定性和定量分析。</a:t>
+            </a:r>
+            <a:endParaRPr lang="en-US" altLang="zh-CN" sz="1800" dirty="0" smtClean="0"/>
+          </a:p>
+          <a:p>
+            <a:pPr marL="457200" indent="-457200">
+              <a:lnSpc>
+                <a:spcPct val="150000"/>
+              </a:lnSpc>
+              <a:buFont typeface="Arial" panose="020B0604020202020204" pitchFamily="34" charset="0"/>
+              <a:buChar char="•"/>
+            </a:pPr>
+            <a:r>
+              <a:rPr lang="zh-CN" altLang="en-US" dirty="0" smtClean="0"/>
+              <a:t>系统设计</a:t>
+            </a:r>
+            <a:endParaRPr lang="en-US" altLang="zh-CN" dirty="0" smtClean="0"/>
+          </a:p>
+          <a:p>
+            <a:pPr>
+              <a:lnSpc>
+                <a:spcPct val="150000"/>
+              </a:lnSpc>
+            </a:pPr>
+            <a:r>
+              <a:rPr lang="zh-CN" altLang="en-US" sz="1800" dirty="0" smtClean="0"/>
+              <a:t>将需求转换为系统的重要过程。</a:t>
+            </a:r>
+            <a:endParaRPr lang="en-US" altLang="zh-CN" sz="1800" dirty="0" smtClean="0"/>
+          </a:p>
+          <a:p>
+            <a:pPr marL="457200" indent="-457200">
+              <a:lnSpc>
+                <a:spcPct val="150000"/>
+              </a:lnSpc>
+              <a:buFont typeface="Arial" panose="020B0604020202020204" pitchFamily="34" charset="0"/>
+              <a:buChar char="•"/>
+            </a:pPr>
+            <a:r>
+              <a:rPr lang="zh-CN" altLang="en-US" dirty="0"/>
+              <a:t>程序</a:t>
+            </a:r>
+            <a:r>
+              <a:rPr lang="zh-CN" altLang="en-US" dirty="0" smtClean="0"/>
+              <a:t>实现</a:t>
+            </a:r>
+            <a:endParaRPr lang="en-US" altLang="zh-CN" dirty="0" smtClean="0"/>
+          </a:p>
+          <a:p>
+            <a:pPr>
+              <a:lnSpc>
+                <a:spcPct val="150000"/>
+              </a:lnSpc>
+            </a:pPr>
+            <a:r>
+              <a:rPr lang="zh-CN" altLang="en-US" sz="1800" dirty="0" smtClean="0"/>
+              <a:t>是通过程序语言，将所设计的内容转化为可以执行的软件系统。</a:t>
+            </a:r>
+            <a:endParaRPr lang="en-US" altLang="zh-CN" sz="1800" dirty="0" smtClean="0"/>
+          </a:p>
+          <a:p>
+            <a:pPr marL="457200" indent="-457200">
+              <a:lnSpc>
+                <a:spcPct val="150000"/>
+              </a:lnSpc>
+              <a:buFont typeface="Arial" panose="020B0604020202020204" pitchFamily="34" charset="0"/>
+              <a:buChar char="•"/>
+            </a:pPr>
+            <a:r>
+              <a:rPr lang="zh-CN" altLang="en-US" dirty="0" smtClean="0"/>
+              <a:t>测试阶段</a:t>
+            </a:r>
+            <a:endParaRPr lang="en-US" altLang="zh-CN" dirty="0" smtClean="0"/>
+          </a:p>
+          <a:p>
+            <a:pPr>
+              <a:lnSpc>
+                <a:spcPct val="150000"/>
+              </a:lnSpc>
+            </a:pPr>
+            <a:r>
+              <a:rPr lang="zh-CN" altLang="en-US" sz="1800" dirty="0"/>
+              <a:t>对实现</a:t>
+            </a:r>
+            <a:r>
+              <a:rPr lang="zh-CN" altLang="en-US" sz="1800" dirty="0" smtClean="0"/>
+              <a:t>的程序代码模块进行检测，检验其功能是否正确。</a:t>
+            </a:r>
+            <a:endParaRPr lang="zh-CN" altLang="en-US" sz="1800" dirty="0"/>
           </a:p>
         </p:txBody>
       </p:sp>
     </p:spTree>
     <p:extLst>
       <p:ext uri="{BB962C8B-B14F-4D97-AF65-F5344CB8AC3E}">
-        <p14:creationId xmlns:p14="http://schemas.microsoft.com/office/powerpoint/2010/main" xmlns="" val="3098037299"/>
+        <p14:creationId xmlns:p14="http://schemas.microsoft.com/office/powerpoint/2010/main" val="3154945557"/>
       </p:ext>
     </p:extLst>
   </p:cSld>
@@ -7378,7 +7648,7 @@
   <a:extraClrSchemeLst/>
   <a:extLst>
     <a:ext uri="{05A4C25C-085E-4340-85A3-A5531E510DB2}">
-      <thm15:themeFamily xmlns="" xmlns:thm15="http://schemas.microsoft.com/office/thememl/2012/main" name="Office Theme" id="{62F939B6-93AF-4DB8-9C6B-D6C7DFDC589F}" vid="{4A3C46E8-61CC-4603-A589-7422A47A8E4A}"/>
+      <thm15:themeFamily xmlns:thm15="http://schemas.microsoft.com/office/thememl/2012/main" name="Office Theme" id="{62F939B6-93AF-4DB8-9C6B-D6C7DFDC589F}" vid="{4A3C46E8-61CC-4603-A589-7422A47A8E4A}"/>
     </a:ext>
   </a:extLst>
 </a:theme>
@@ -7668,7 +7938,7 @@
   <a:extraClrSchemeLst/>
   <a:extLst>
     <a:ext uri="{05A4C25C-085E-4340-85A3-A5531E510DB2}">
-      <thm15:themeFamily xmlns="" xmlns:thm15="http://schemas.microsoft.com/office/thememl/2012/main" name="Office Theme" id="{62F939B6-93AF-4DB8-9C6B-D6C7DFDC589F}" vid="{4A3C46E8-61CC-4603-A589-7422A47A8E4A}"/>
+      <thm15:themeFamily xmlns:thm15="http://schemas.microsoft.com/office/thememl/2012/main" name="Office Theme" id="{62F939B6-93AF-4DB8-9C6B-D6C7DFDC589F}" vid="{4A3C46E8-61CC-4603-A589-7422A47A8E4A}"/>
     </a:ext>
   </a:extLst>
 </a:theme>
@@ -7958,7 +8228,7 @@
   <a:extraClrSchemeLst/>
   <a:extLst>
     <a:ext uri="{05A4C25C-085E-4340-85A3-A5531E510DB2}">
-      <thm15:themeFamily xmlns="" xmlns:thm15="http://schemas.microsoft.com/office/thememl/2012/main" name="Office Theme" id="{62F939B6-93AF-4DB8-9C6B-D6C7DFDC589F}" vid="{4A3C46E8-61CC-4603-A589-7422A47A8E4A}"/>
+      <thm15:themeFamily xmlns:thm15="http://schemas.microsoft.com/office/thememl/2012/main" name="Office Theme" id="{62F939B6-93AF-4DB8-9C6B-D6C7DFDC589F}" vid="{4A3C46E8-61CC-4603-A589-7422A47A8E4A}"/>
     </a:ext>
   </a:extLst>
 </a:theme>
